--- a/S4.02. GITHUB.pptx
+++ b/S4.02. GITHUB.pptx
@@ -6184,14 +6184,7 @@
                 <a:latin typeface="Arial" panose="020B0604020202020204" pitchFamily="34" charset="0"/>
                 <a:cs typeface="Arial" panose="020B0604020202020204" pitchFamily="34" charset="0"/>
               </a:rPr>
-              <a:t> </a:t>
-            </a:r>
-            <a:r>
-              <a:rPr lang="es-ES" sz="2400" dirty="0" smtClean="0">
-                <a:latin typeface="Arial" panose="020B0604020202020204" pitchFamily="34" charset="0"/>
-                <a:cs typeface="Arial" panose="020B0604020202020204" pitchFamily="34" charset="0"/>
-              </a:rPr>
-              <a:t>seleccionamos </a:t>
+              <a:t> seleccionamos </a:t>
             </a:r>
             <a:r>
               <a:rPr lang="es-ES" sz="2400" dirty="0" err="1" smtClean="0">
@@ -6205,14 +6198,7 @@
                 <a:latin typeface="Arial" panose="020B0604020202020204" pitchFamily="34" charset="0"/>
                 <a:cs typeface="Arial" panose="020B0604020202020204" pitchFamily="34" charset="0"/>
               </a:rPr>
-              <a:t> (</a:t>
-            </a:r>
-            <a:r>
-              <a:rPr lang="es-ES" sz="2400" dirty="0" smtClean="0">
-                <a:latin typeface="Arial" panose="020B0604020202020204" pitchFamily="34" charset="0"/>
-                <a:cs typeface="Arial" panose="020B0604020202020204" pitchFamily="34" charset="0"/>
-              </a:rPr>
-              <a:t>no </a:t>
+              <a:t> (no </a:t>
             </a:r>
             <a:r>
               <a:rPr lang="es-ES" sz="2400" dirty="0">
@@ -6261,21 +6247,7 @@
                 <a:latin typeface="Arial" panose="020B0604020202020204" pitchFamily="34" charset="0"/>
                 <a:cs typeface="Arial" panose="020B0604020202020204" pitchFamily="34" charset="0"/>
               </a:rPr>
-              <a:t> </a:t>
-            </a:r>
-            <a:r>
-              <a:rPr lang="es-ES" sz="2400" dirty="0" smtClean="0">
-                <a:latin typeface="Arial" panose="020B0604020202020204" pitchFamily="34" charset="0"/>
-                <a:cs typeface="Arial" panose="020B0604020202020204" pitchFamily="34" charset="0"/>
-              </a:rPr>
-              <a:t>es </a:t>
-            </a:r>
-            <a:r>
-              <a:rPr lang="es-ES" sz="2400" dirty="0" smtClean="0">
-                <a:latin typeface="Arial" panose="020B0604020202020204" pitchFamily="34" charset="0"/>
-                <a:cs typeface="Arial" panose="020B0604020202020204" pitchFamily="34" charset="0"/>
-              </a:rPr>
-              <a:t>un archivo especial que utiliza </a:t>
+              <a:t> es un archivo especial que utiliza </a:t>
             </a:r>
             <a:r>
               <a:rPr lang="es-ES" sz="2400" dirty="0" err="1" smtClean="0">
@@ -6289,14 +6261,7 @@
                 <a:latin typeface="Arial" panose="020B0604020202020204" pitchFamily="34" charset="0"/>
                 <a:cs typeface="Arial" panose="020B0604020202020204" pitchFamily="34" charset="0"/>
               </a:rPr>
-              <a:t> para saber que archivos puede ignorar </a:t>
-            </a:r>
-            <a:r>
-              <a:rPr lang="es-ES" sz="2400" dirty="0" smtClean="0">
-                <a:latin typeface="Arial" panose="020B0604020202020204" pitchFamily="34" charset="0"/>
-                <a:cs typeface="Arial" panose="020B0604020202020204" pitchFamily="34" charset="0"/>
-              </a:rPr>
-              <a:t>al hacer los </a:t>
+              <a:t> para saber que archivos puede ignorar al hacer los </a:t>
             </a:r>
             <a:r>
               <a:rPr lang="es-ES" sz="2400" dirty="0" err="1" smtClean="0">
@@ -6310,47 +6275,8 @@
                 <a:latin typeface="Arial" panose="020B0604020202020204" pitchFamily="34" charset="0"/>
                 <a:cs typeface="Arial" panose="020B0604020202020204" pitchFamily="34" charset="0"/>
               </a:rPr>
-              <a:t>. Según el proyecto, hay </a:t>
-            </a:r>
-            <a:r>
-              <a:rPr lang="es-ES" sz="2400" dirty="0" smtClean="0">
-                <a:latin typeface="Arial" panose="020B0604020202020204" pitchFamily="34" charset="0"/>
-                <a:cs typeface="Arial" panose="020B0604020202020204" pitchFamily="34" charset="0"/>
-              </a:rPr>
-              <a:t>archivos </a:t>
-            </a:r>
-            <a:r>
-              <a:rPr lang="es-ES" sz="2400" dirty="0" smtClean="0">
-                <a:latin typeface="Arial" panose="020B0604020202020204" pitchFamily="34" charset="0"/>
-                <a:cs typeface="Arial" panose="020B0604020202020204" pitchFamily="34" charset="0"/>
-              </a:rPr>
-              <a:t>meta o </a:t>
-            </a:r>
-            <a:r>
-              <a:rPr lang="es-ES" sz="2400" dirty="0" smtClean="0">
-                <a:latin typeface="Arial" panose="020B0604020202020204" pitchFamily="34" charset="0"/>
-                <a:cs typeface="Arial" panose="020B0604020202020204" pitchFamily="34" charset="0"/>
-              </a:rPr>
-              <a:t>temporales </a:t>
-            </a:r>
-            <a:r>
-              <a:rPr lang="es-ES" sz="2400" dirty="0" smtClean="0">
-                <a:latin typeface="Arial" panose="020B0604020202020204" pitchFamily="34" charset="0"/>
-                <a:cs typeface="Arial" panose="020B0604020202020204" pitchFamily="34" charset="0"/>
-              </a:rPr>
-              <a:t>que no son necesarios actualizar cada </a:t>
-            </a:r>
-            <a:r>
-              <a:rPr lang="es-ES" sz="2400" dirty="0" smtClean="0">
-                <a:latin typeface="Arial" panose="020B0604020202020204" pitchFamily="34" charset="0"/>
-                <a:cs typeface="Arial" panose="020B0604020202020204" pitchFamily="34" charset="0"/>
-              </a:rPr>
-              <a:t>vez. La licencia se deja en blanco </a:t>
-            </a:r>
-            <a:endParaRPr lang="es-ES" sz="2400" dirty="0" smtClean="0">
-              <a:latin typeface="Arial" panose="020B0604020202020204" pitchFamily="34" charset="0"/>
-              <a:cs typeface="Arial" panose="020B0604020202020204" pitchFamily="34" charset="0"/>
-            </a:endParaRPr>
+              <a:t>. Según el proyecto, hay archivos meta o temporales que no son necesarios actualizar cada vez. La licencia se deja en blanco </a:t>
+            </a:r>
           </a:p>
         </p:txBody>
       </p:sp>
@@ -6576,35 +6502,77 @@
                 <a:latin typeface="Arial" panose="020B0604020202020204" pitchFamily="34" charset="0"/>
                 <a:cs typeface="Arial" panose="020B0604020202020204" pitchFamily="34" charset="0"/>
               </a:rPr>
+              <a:t> Al hacer </a:t>
+            </a:r>
+            <a:r>
+              <a:rPr lang="es-ES" sz="2400" dirty="0" err="1" smtClean="0">
+                <a:latin typeface="Arial" panose="020B0604020202020204" pitchFamily="34" charset="0"/>
+                <a:cs typeface="Arial" panose="020B0604020202020204" pitchFamily="34" charset="0"/>
+              </a:rPr>
+              <a:t>click</a:t>
+            </a:r>
+            <a:r>
+              <a:rPr lang="es-ES" sz="2400" dirty="0" smtClean="0">
+                <a:latin typeface="Arial" panose="020B0604020202020204" pitchFamily="34" charset="0"/>
+                <a:cs typeface="Arial" panose="020B0604020202020204" pitchFamily="34" charset="0"/>
+              </a:rPr>
+              <a:t> en </a:t>
+            </a:r>
+            <a:r>
+              <a:rPr lang="es-ES" sz="2400" dirty="0" err="1" smtClean="0">
+                <a:latin typeface="Arial" panose="020B0604020202020204" pitchFamily="34" charset="0"/>
+                <a:cs typeface="Arial" panose="020B0604020202020204" pitchFamily="34" charset="0"/>
+              </a:rPr>
+              <a:t>Create</a:t>
+            </a:r>
+            <a:r>
+              <a:rPr lang="es-ES" sz="2400" dirty="0" smtClean="0">
+                <a:latin typeface="Arial" panose="020B0604020202020204" pitchFamily="34" charset="0"/>
+                <a:cs typeface="Arial" panose="020B0604020202020204" pitchFamily="34" charset="0"/>
+              </a:rPr>
               <a:t> </a:t>
             </a:r>
             <a:r>
-              <a:rPr lang="es-ES" sz="2400" dirty="0" smtClean="0">
-                <a:latin typeface="Arial" panose="020B0604020202020204" pitchFamily="34" charset="0"/>
-                <a:cs typeface="Arial" panose="020B0604020202020204" pitchFamily="34" charset="0"/>
-              </a:rPr>
-              <a:t>Al hacer </a:t>
-            </a:r>
-            <a:r>
               <a:rPr lang="es-ES" sz="2400" dirty="0" err="1" smtClean="0">
                 <a:latin typeface="Arial" panose="020B0604020202020204" pitchFamily="34" charset="0"/>
                 <a:cs typeface="Arial" panose="020B0604020202020204" pitchFamily="34" charset="0"/>
               </a:rPr>
-              <a:t>click</a:t>
-            </a:r>
-            <a:r>
-              <a:rPr lang="es-ES" sz="2400" dirty="0" smtClean="0">
-                <a:latin typeface="Arial" panose="020B0604020202020204" pitchFamily="34" charset="0"/>
-                <a:cs typeface="Arial" panose="020B0604020202020204" pitchFamily="34" charset="0"/>
-              </a:rPr>
-              <a:t> en </a:t>
+              <a:t>repository</a:t>
+            </a:r>
+            <a:r>
+              <a:rPr lang="es-ES" sz="2400" dirty="0" smtClean="0">
+                <a:latin typeface="Arial" panose="020B0604020202020204" pitchFamily="34" charset="0"/>
+                <a:cs typeface="Arial" panose="020B0604020202020204" pitchFamily="34" charset="0"/>
+              </a:rPr>
+              <a:t> vemos que se ha creado nuestro repositorio localmente. Si abrimos nuestra carpeta vemos que </a:t>
             </a:r>
             <a:r>
               <a:rPr lang="es-ES" sz="2400" dirty="0" err="1" smtClean="0">
                 <a:latin typeface="Arial" panose="020B0604020202020204" pitchFamily="34" charset="0"/>
                 <a:cs typeface="Arial" panose="020B0604020202020204" pitchFamily="34" charset="0"/>
               </a:rPr>
-              <a:t>Create</a:t>
+              <a:t>GitKraken</a:t>
+            </a:r>
+            <a:r>
+              <a:rPr lang="es-ES" sz="2400" dirty="0" smtClean="0">
+                <a:latin typeface="Arial" panose="020B0604020202020204" pitchFamily="34" charset="0"/>
+                <a:cs typeface="Arial" panose="020B0604020202020204" pitchFamily="34" charset="0"/>
+              </a:rPr>
+              <a:t> se han añadido dos </a:t>
+            </a:r>
+            <a:r>
+              <a:rPr lang="es-ES" sz="2400" dirty="0" smtClean="0">
+                <a:latin typeface="Arial" panose="020B0604020202020204" pitchFamily="34" charset="0"/>
+                <a:cs typeface="Arial" panose="020B0604020202020204" pitchFamily="34" charset="0"/>
+              </a:rPr>
+              <a:t>archivos (.</a:t>
+            </a:r>
+            <a:r>
+              <a:rPr lang="es-ES" sz="2400" dirty="0" err="1" smtClean="0">
+                <a:latin typeface="Arial" panose="020B0604020202020204" pitchFamily="34" charset="0"/>
+                <a:cs typeface="Arial" panose="020B0604020202020204" pitchFamily="34" charset="0"/>
+              </a:rPr>
+              <a:t>gitignore</a:t>
             </a:r>
             <a:r>
               <a:rPr lang="es-ES" sz="2400" dirty="0" smtClean="0">
@@ -6614,11 +6582,53 @@
               <a:t> </a:t>
             </a:r>
             <a:r>
+              <a:rPr lang="es-ES" sz="2400" dirty="0" smtClean="0">
+                <a:latin typeface="Arial" panose="020B0604020202020204" pitchFamily="34" charset="0"/>
+                <a:cs typeface="Arial" panose="020B0604020202020204" pitchFamily="34" charset="0"/>
+              </a:rPr>
+              <a:t>y </a:t>
+            </a:r>
+            <a:r>
+              <a:rPr lang="es-ES" sz="2400" dirty="0" smtClean="0">
+                <a:latin typeface="Arial" panose="020B0604020202020204" pitchFamily="34" charset="0"/>
+                <a:cs typeface="Arial" panose="020B0604020202020204" pitchFamily="34" charset="0"/>
+              </a:rPr>
+              <a:t>README.md) y la carpeta .</a:t>
+            </a:r>
+            <a:r>
               <a:rPr lang="es-ES" sz="2400" dirty="0" err="1" smtClean="0">
                 <a:latin typeface="Arial" panose="020B0604020202020204" pitchFamily="34" charset="0"/>
                 <a:cs typeface="Arial" panose="020B0604020202020204" pitchFamily="34" charset="0"/>
               </a:rPr>
-              <a:t>repository</a:t>
+              <a:t>git</a:t>
+            </a:r>
+            <a:r>
+              <a:rPr lang="es-ES" sz="2400" dirty="0" smtClean="0">
+                <a:latin typeface="Arial" panose="020B0604020202020204" pitchFamily="34" charset="0"/>
+                <a:cs typeface="Arial" panose="020B0604020202020204" pitchFamily="34" charset="0"/>
+              </a:rPr>
+              <a:t>. </a:t>
+            </a:r>
+            <a:r>
+              <a:rPr lang="es-ES" sz="2400" dirty="0" smtClean="0">
+                <a:latin typeface="Arial" panose="020B0604020202020204" pitchFamily="34" charset="0"/>
+                <a:cs typeface="Arial" panose="020B0604020202020204" pitchFamily="34" charset="0"/>
+              </a:rPr>
+              <a:t>En </a:t>
+            </a:r>
+            <a:r>
+              <a:rPr lang="es-ES" sz="2400" dirty="0" smtClean="0">
+                <a:latin typeface="Arial" panose="020B0604020202020204" pitchFamily="34" charset="0"/>
+                <a:cs typeface="Arial" panose="020B0604020202020204" pitchFamily="34" charset="0"/>
+              </a:rPr>
+              <a:t>.</a:t>
+            </a:r>
+            <a:r>
+              <a:rPr lang="es-ES" sz="2400" dirty="0" err="1" smtClean="0">
+                <a:latin typeface="Arial" panose="020B0604020202020204" pitchFamily="34" charset="0"/>
+                <a:cs typeface="Arial" panose="020B0604020202020204" pitchFamily="34" charset="0"/>
+              </a:rPr>
+              <a:t>gitignore</a:t>
             </a:r>
             <a:r>
               <a:rPr lang="es-ES" sz="2400" dirty="0" smtClean="0">
@@ -6632,56 +6642,28 @@
                 <a:latin typeface="Arial" panose="020B0604020202020204" pitchFamily="34" charset="0"/>
                 <a:cs typeface="Arial" panose="020B0604020202020204" pitchFamily="34" charset="0"/>
               </a:rPr>
-              <a:t>vemos que </a:t>
-            </a:r>
-            <a:r>
-              <a:rPr lang="es-ES" sz="2400" dirty="0" smtClean="0">
-                <a:latin typeface="Arial" panose="020B0604020202020204" pitchFamily="34" charset="0"/>
-                <a:cs typeface="Arial" panose="020B0604020202020204" pitchFamily="34" charset="0"/>
-              </a:rPr>
-              <a:t>se </a:t>
-            </a:r>
-            <a:r>
-              <a:rPr lang="es-ES" sz="2400" dirty="0" smtClean="0">
-                <a:latin typeface="Arial" panose="020B0604020202020204" pitchFamily="34" charset="0"/>
-                <a:cs typeface="Arial" panose="020B0604020202020204" pitchFamily="34" charset="0"/>
-              </a:rPr>
-              <a:t>ha </a:t>
-            </a:r>
-            <a:r>
-              <a:rPr lang="es-ES" sz="2400" dirty="0" smtClean="0">
-                <a:latin typeface="Arial" panose="020B0604020202020204" pitchFamily="34" charset="0"/>
-                <a:cs typeface="Arial" panose="020B0604020202020204" pitchFamily="34" charset="0"/>
-              </a:rPr>
-              <a:t>creado nuestro repositorio localmente. Si abrimos nuestra carpeta vemos que </a:t>
+              <a:t>salen las carpetas que no se deben de actualizar con </a:t>
             </a:r>
             <a:r>
               <a:rPr lang="es-ES" sz="2400" dirty="0" err="1" smtClean="0">
                 <a:latin typeface="Arial" panose="020B0604020202020204" pitchFamily="34" charset="0"/>
                 <a:cs typeface="Arial" panose="020B0604020202020204" pitchFamily="34" charset="0"/>
               </a:rPr>
-              <a:t>GitKraken</a:t>
-            </a:r>
-            <a:r>
-              <a:rPr lang="es-ES" sz="2400" dirty="0" smtClean="0">
-                <a:latin typeface="Arial" panose="020B0604020202020204" pitchFamily="34" charset="0"/>
-                <a:cs typeface="Arial" panose="020B0604020202020204" pitchFamily="34" charset="0"/>
-              </a:rPr>
-              <a:t> se </a:t>
-            </a:r>
-            <a:r>
-              <a:rPr lang="es-ES" sz="2400" dirty="0" smtClean="0">
-                <a:latin typeface="Arial" panose="020B0604020202020204" pitchFamily="34" charset="0"/>
-                <a:cs typeface="Arial" panose="020B0604020202020204" pitchFamily="34" charset="0"/>
-              </a:rPr>
-              <a:t>han añadido dos </a:t>
-            </a:r>
-            <a:r>
-              <a:rPr lang="es-ES" sz="2400" dirty="0" smtClean="0">
-                <a:latin typeface="Arial" panose="020B0604020202020204" pitchFamily="34" charset="0"/>
-                <a:cs typeface="Arial" panose="020B0604020202020204" pitchFamily="34" charset="0"/>
-              </a:rPr>
-              <a:t>archivos: </a:t>
+              <a:t>git</a:t>
+            </a:r>
+            <a:r>
+              <a:rPr lang="es-ES" sz="2400" dirty="0" smtClean="0">
+                <a:latin typeface="Arial" panose="020B0604020202020204" pitchFamily="34" charset="0"/>
+                <a:cs typeface="Arial" panose="020B0604020202020204" pitchFamily="34" charset="0"/>
+              </a:rPr>
+              <a:t> al hacer los </a:t>
+            </a:r>
+            <a:r>
+              <a:rPr lang="es-ES" sz="2400" dirty="0" err="1" smtClean="0">
+                <a:latin typeface="Arial" panose="020B0604020202020204" pitchFamily="34" charset="0"/>
+                <a:cs typeface="Arial" panose="020B0604020202020204" pitchFamily="34" charset="0"/>
+              </a:rPr>
+              <a:t>commits</a:t>
             </a:r>
             <a:r>
               <a:rPr lang="es-ES" sz="2400" dirty="0" smtClean="0">
@@ -6690,87 +6672,6 @@
               </a:rPr>
               <a:t>.</a:t>
             </a:r>
-            <a:r>
-              <a:rPr lang="es-ES" sz="2400" dirty="0" err="1" smtClean="0">
-                <a:latin typeface="Arial" panose="020B0604020202020204" pitchFamily="34" charset="0"/>
-                <a:cs typeface="Arial" panose="020B0604020202020204" pitchFamily="34" charset="0"/>
-              </a:rPr>
-              <a:t>gitignore</a:t>
-            </a:r>
-            <a:r>
-              <a:rPr lang="es-ES" sz="2400" dirty="0" smtClean="0">
-                <a:latin typeface="Arial" panose="020B0604020202020204" pitchFamily="34" charset="0"/>
-                <a:cs typeface="Arial" panose="020B0604020202020204" pitchFamily="34" charset="0"/>
-              </a:rPr>
-              <a:t> </a:t>
-            </a:r>
-            <a:r>
-              <a:rPr lang="es-ES" sz="2400" dirty="0" smtClean="0">
-                <a:latin typeface="Arial" panose="020B0604020202020204" pitchFamily="34" charset="0"/>
-                <a:cs typeface="Arial" panose="020B0604020202020204" pitchFamily="34" charset="0"/>
-              </a:rPr>
-              <a:t>y README.md. En </a:t>
-            </a:r>
-            <a:r>
-              <a:rPr lang="es-ES" sz="2400" dirty="0" err="1" smtClean="0">
-                <a:latin typeface="Arial" panose="020B0604020202020204" pitchFamily="34" charset="0"/>
-                <a:cs typeface="Arial" panose="020B0604020202020204" pitchFamily="34" charset="0"/>
-              </a:rPr>
-              <a:t>gitignore</a:t>
-            </a:r>
-            <a:r>
-              <a:rPr lang="es-ES" sz="2400" dirty="0" smtClean="0">
-                <a:latin typeface="Arial" panose="020B0604020202020204" pitchFamily="34" charset="0"/>
-                <a:cs typeface="Arial" panose="020B0604020202020204" pitchFamily="34" charset="0"/>
-              </a:rPr>
-              <a:t> salen las carpetas que no se deben de actualizar con </a:t>
-            </a:r>
-            <a:r>
-              <a:rPr lang="es-ES" sz="2400" dirty="0" err="1" smtClean="0">
-                <a:latin typeface="Arial" panose="020B0604020202020204" pitchFamily="34" charset="0"/>
-                <a:cs typeface="Arial" panose="020B0604020202020204" pitchFamily="34" charset="0"/>
-              </a:rPr>
-              <a:t>git</a:t>
-            </a:r>
-            <a:r>
-              <a:rPr lang="es-ES" sz="2400" dirty="0" smtClean="0">
-                <a:latin typeface="Arial" panose="020B0604020202020204" pitchFamily="34" charset="0"/>
-                <a:cs typeface="Arial" panose="020B0604020202020204" pitchFamily="34" charset="0"/>
-              </a:rPr>
-              <a:t> al hacer </a:t>
-            </a:r>
-            <a:r>
-              <a:rPr lang="es-ES" sz="2400" dirty="0" smtClean="0">
-                <a:latin typeface="Arial" panose="020B0604020202020204" pitchFamily="34" charset="0"/>
-                <a:cs typeface="Arial" panose="020B0604020202020204" pitchFamily="34" charset="0"/>
-              </a:rPr>
-              <a:t>los</a:t>
-            </a:r>
-            <a:r>
-              <a:rPr lang="es-ES" sz="2400" dirty="0" smtClean="0">
-                <a:latin typeface="Arial" panose="020B0604020202020204" pitchFamily="34" charset="0"/>
-                <a:cs typeface="Arial" panose="020B0604020202020204" pitchFamily="34" charset="0"/>
-              </a:rPr>
-              <a:t> </a:t>
-            </a:r>
-            <a:r>
-              <a:rPr lang="es-ES" sz="2400" dirty="0" err="1" smtClean="0">
-                <a:latin typeface="Arial" panose="020B0604020202020204" pitchFamily="34" charset="0"/>
-                <a:cs typeface="Arial" panose="020B0604020202020204" pitchFamily="34" charset="0"/>
-              </a:rPr>
-              <a:t>commits</a:t>
-            </a:r>
-            <a:r>
-              <a:rPr lang="es-ES" sz="2400" dirty="0" smtClean="0">
-                <a:latin typeface="Arial" panose="020B0604020202020204" pitchFamily="34" charset="0"/>
-                <a:cs typeface="Arial" panose="020B0604020202020204" pitchFamily="34" charset="0"/>
-              </a:rPr>
-              <a:t>.</a:t>
-            </a:r>
-            <a:endParaRPr lang="es-ES" sz="2400" dirty="0" smtClean="0">
-              <a:latin typeface="Arial" panose="020B0604020202020204" pitchFamily="34" charset="0"/>
-              <a:cs typeface="Arial" panose="020B0604020202020204" pitchFamily="34" charset="0"/>
-            </a:endParaRPr>
           </a:p>
         </p:txBody>
       </p:sp>
@@ -6843,7 +6744,7 @@
         </p:blipFill>
         <p:spPr>
           <a:xfrm>
-            <a:off x="114300" y="2743200"/>
+            <a:off x="76200" y="2862112"/>
             <a:ext cx="6515100" cy="3691890"/>
           </a:xfrm>
           <a:prstGeom prst="rect">
@@ -6867,7 +6768,7 @@
         </p:blipFill>
         <p:spPr>
           <a:xfrm>
-            <a:off x="9096375" y="4191000"/>
+            <a:off x="9172575" y="4191000"/>
             <a:ext cx="2943225" cy="1914525"/>
           </a:xfrm>
           <a:prstGeom prst="rect">
@@ -6882,7 +6783,7 @@
       </p:pic>
       <p:pic>
         <p:nvPicPr>
-          <p:cNvPr id="6" name="Imagen 5"/>
+          <p:cNvPr id="2" name="Imagen 1"/>
           <p:cNvPicPr>
             <a:picLocks noChangeAspect="1"/>
           </p:cNvPicPr>
@@ -6896,8 +6797,8 @@
         </p:blipFill>
         <p:spPr>
           <a:xfrm>
-            <a:off x="6548240" y="3124200"/>
-            <a:ext cx="2443360" cy="3165064"/>
+            <a:off x="6591357" y="2885760"/>
+            <a:ext cx="2552643" cy="3668242"/>
           </a:xfrm>
           <a:prstGeom prst="rect">
             <a:avLst/>
@@ -7005,14 +6906,7 @@
                 <a:latin typeface="Arial" panose="020B0604020202020204" pitchFamily="34" charset="0"/>
                 <a:cs typeface="Arial" panose="020B0604020202020204" pitchFamily="34" charset="0"/>
               </a:rPr>
-              <a:t> </a:t>
-            </a:r>
-            <a:r>
-              <a:rPr lang="es-ES" sz="2400" dirty="0" smtClean="0">
-                <a:latin typeface="Arial" panose="020B0604020202020204" pitchFamily="34" charset="0"/>
-                <a:cs typeface="Arial" panose="020B0604020202020204" pitchFamily="34" charset="0"/>
-              </a:rPr>
-              <a:t>Vemos que hay 15 archivos nuevos creados al crear el proyecto de Spring.</a:t>
+              <a:t> Vemos que hay 15 archivos nuevos creados al crear el proyecto de Spring.</a:t>
             </a:r>
           </a:p>
           <a:p>
@@ -7103,14 +6997,7 @@
                 <a:latin typeface="Arial" panose="020B0604020202020204" pitchFamily="34" charset="0"/>
                 <a:cs typeface="Arial" panose="020B0604020202020204" pitchFamily="34" charset="0"/>
               </a:rPr>
-              <a:t>C</a:t>
-            </a:r>
-            <a:r>
-              <a:rPr lang="es-ES" sz="2400" dirty="0" err="1" smtClean="0">
-                <a:latin typeface="Arial" panose="020B0604020202020204" pitchFamily="34" charset="0"/>
-                <a:cs typeface="Arial" panose="020B0604020202020204" pitchFamily="34" charset="0"/>
-              </a:rPr>
-              <a:t>hanges</a:t>
+              <a:t>Changes</a:t>
             </a:r>
             <a:r>
               <a:rPr lang="es-ES" sz="2400" dirty="0" smtClean="0">
@@ -7119,10 +7006,6 @@
               </a:rPr>
               <a:t>.</a:t>
             </a:r>
-            <a:endParaRPr lang="es-ES" sz="2400" dirty="0" smtClean="0">
-              <a:latin typeface="Arial" panose="020B0604020202020204" pitchFamily="34" charset="0"/>
-              <a:cs typeface="Arial" panose="020B0604020202020204" pitchFamily="34" charset="0"/>
-            </a:endParaRPr>
           </a:p>
         </p:txBody>
       </p:sp>
@@ -7343,10 +7226,6 @@
               </a:rPr>
               <a:t>, nos indica que no hay repositorio remoto para subirlo.</a:t>
             </a:r>
-            <a:endParaRPr lang="es-ES" sz="2400" dirty="0" smtClean="0">
-              <a:latin typeface="Arial" panose="020B0604020202020204" pitchFamily="34" charset="0"/>
-              <a:cs typeface="Arial" panose="020B0604020202020204" pitchFamily="34" charset="0"/>
-            </a:endParaRPr>
           </a:p>
         </p:txBody>
       </p:sp>
@@ -7952,104 +7831,111 @@
                 <a:latin typeface="Arial" panose="020B0604020202020204" pitchFamily="34" charset="0"/>
                 <a:cs typeface="Arial" panose="020B0604020202020204" pitchFamily="34" charset="0"/>
               </a:rPr>
+              <a:t> El repositorio remoto </a:t>
+            </a:r>
+            <a:r>
+              <a:rPr lang="es-ES" sz="2400" dirty="0" smtClean="0">
+                <a:latin typeface="Arial" panose="020B0604020202020204" pitchFamily="34" charset="0"/>
+                <a:cs typeface="Arial" panose="020B0604020202020204" pitchFamily="34" charset="0"/>
+              </a:rPr>
+              <a:t>se debe de crear </a:t>
+            </a:r>
+            <a:r>
+              <a:rPr lang="es-ES" sz="2400" dirty="0" smtClean="0">
+                <a:latin typeface="Arial" panose="020B0604020202020204" pitchFamily="34" charset="0"/>
+                <a:cs typeface="Arial" panose="020B0604020202020204" pitchFamily="34" charset="0"/>
+              </a:rPr>
+              <a:t>con el mismo nombre que el repositorio local. Se puede realizar manualmente en la web de </a:t>
+            </a:r>
+            <a:r>
+              <a:rPr lang="es-ES" sz="2400" dirty="0" err="1" smtClean="0">
+                <a:latin typeface="Arial" panose="020B0604020202020204" pitchFamily="34" charset="0"/>
+                <a:cs typeface="Arial" panose="020B0604020202020204" pitchFamily="34" charset="0"/>
+              </a:rPr>
+              <a:t>github</a:t>
+            </a:r>
+            <a:r>
+              <a:rPr lang="es-ES" sz="2400" dirty="0" smtClean="0">
+                <a:latin typeface="Arial" panose="020B0604020202020204" pitchFamily="34" charset="0"/>
+                <a:cs typeface="Arial" panose="020B0604020202020204" pitchFamily="34" charset="0"/>
+              </a:rPr>
+              <a:t> o con el </a:t>
+            </a:r>
+            <a:r>
+              <a:rPr lang="es-ES" sz="2400" dirty="0" err="1" smtClean="0">
+                <a:latin typeface="Arial" panose="020B0604020202020204" pitchFamily="34" charset="0"/>
+                <a:cs typeface="Arial" panose="020B0604020202020204" pitchFamily="34" charset="0"/>
+              </a:rPr>
+              <a:t>wizard</a:t>
+            </a:r>
+            <a:r>
+              <a:rPr lang="es-ES" sz="2400" dirty="0" smtClean="0">
+                <a:latin typeface="Arial" panose="020B0604020202020204" pitchFamily="34" charset="0"/>
+                <a:cs typeface="Arial" panose="020B0604020202020204" pitchFamily="34" charset="0"/>
+              </a:rPr>
+              <a:t> de </a:t>
+            </a:r>
+            <a:r>
+              <a:rPr lang="es-ES" sz="2400" dirty="0" err="1" smtClean="0">
+                <a:latin typeface="Arial" panose="020B0604020202020204" pitchFamily="34" charset="0"/>
+                <a:cs typeface="Arial" panose="020B0604020202020204" pitchFamily="34" charset="0"/>
+              </a:rPr>
+              <a:t>GitKraken</a:t>
+            </a:r>
+            <a:r>
+              <a:rPr lang="es-ES" sz="2400" dirty="0" smtClean="0">
+                <a:latin typeface="Arial" panose="020B0604020202020204" pitchFamily="34" charset="0"/>
+                <a:cs typeface="Arial" panose="020B0604020202020204" pitchFamily="34" charset="0"/>
+              </a:rPr>
+              <a:t>. Podemos comprobar el resultado final haciendo </a:t>
+            </a:r>
+            <a:r>
+              <a:rPr lang="es-ES" sz="2400" dirty="0" err="1" smtClean="0">
+                <a:latin typeface="Arial" panose="020B0604020202020204" pitchFamily="34" charset="0"/>
+                <a:cs typeface="Arial" panose="020B0604020202020204" pitchFamily="34" charset="0"/>
+              </a:rPr>
+              <a:t>click</a:t>
+            </a:r>
+            <a:r>
+              <a:rPr lang="es-ES" sz="2400" dirty="0" smtClean="0">
+                <a:latin typeface="Arial" panose="020B0604020202020204" pitchFamily="34" charset="0"/>
+                <a:cs typeface="Arial" panose="020B0604020202020204" pitchFamily="34" charset="0"/>
+              </a:rPr>
+              <a:t> en el botón “</a:t>
+            </a:r>
+            <a:r>
+              <a:rPr lang="es-ES" sz="2400" dirty="0" err="1" smtClean="0">
+                <a:latin typeface="Arial" panose="020B0604020202020204" pitchFamily="34" charset="0"/>
+                <a:cs typeface="Arial" panose="020B0604020202020204" pitchFamily="34" charset="0"/>
+              </a:rPr>
+              <a:t>Create</a:t>
+            </a:r>
+            <a:r>
+              <a:rPr lang="es-ES" sz="2400" dirty="0" smtClean="0">
+                <a:latin typeface="Arial" panose="020B0604020202020204" pitchFamily="34" charset="0"/>
+                <a:cs typeface="Arial" panose="020B0604020202020204" pitchFamily="34" charset="0"/>
+              </a:rPr>
               <a:t> </a:t>
             </a:r>
             <a:r>
-              <a:rPr lang="es-ES" sz="2400" dirty="0" smtClean="0">
-                <a:latin typeface="Arial" panose="020B0604020202020204" pitchFamily="34" charset="0"/>
-                <a:cs typeface="Arial" panose="020B0604020202020204" pitchFamily="34" charset="0"/>
-              </a:rPr>
-              <a:t>El repositorio remoto lo tenemos que crear con el mismo nombre que el repositorio local. Se puede realizar manualmente en la web de </a:t>
-            </a:r>
-            <a:r>
               <a:rPr lang="es-ES" sz="2400" dirty="0" err="1" smtClean="0">
                 <a:latin typeface="Arial" panose="020B0604020202020204" pitchFamily="34" charset="0"/>
                 <a:cs typeface="Arial" panose="020B0604020202020204" pitchFamily="34" charset="0"/>
               </a:rPr>
-              <a:t>github</a:t>
-            </a:r>
-            <a:r>
-              <a:rPr lang="es-ES" sz="2400" dirty="0" smtClean="0">
-                <a:latin typeface="Arial" panose="020B0604020202020204" pitchFamily="34" charset="0"/>
-                <a:cs typeface="Arial" panose="020B0604020202020204" pitchFamily="34" charset="0"/>
-              </a:rPr>
-              <a:t> o con el </a:t>
+              <a:t>remote</a:t>
+            </a:r>
+            <a:r>
+              <a:rPr lang="es-ES" sz="2400" dirty="0" smtClean="0">
+                <a:latin typeface="Arial" panose="020B0604020202020204" pitchFamily="34" charset="0"/>
+                <a:cs typeface="Arial" panose="020B0604020202020204" pitchFamily="34" charset="0"/>
+              </a:rPr>
+              <a:t> and </a:t>
             </a:r>
             <a:r>
               <a:rPr lang="es-ES" sz="2400" dirty="0" err="1" smtClean="0">
                 <a:latin typeface="Arial" panose="020B0604020202020204" pitchFamily="34" charset="0"/>
                 <a:cs typeface="Arial" panose="020B0604020202020204" pitchFamily="34" charset="0"/>
               </a:rPr>
-              <a:t>wizard</a:t>
-            </a:r>
-            <a:r>
-              <a:rPr lang="es-ES" sz="2400" dirty="0" smtClean="0">
-                <a:latin typeface="Arial" panose="020B0604020202020204" pitchFamily="34" charset="0"/>
-                <a:cs typeface="Arial" panose="020B0604020202020204" pitchFamily="34" charset="0"/>
-              </a:rPr>
-              <a:t> de </a:t>
-            </a:r>
-            <a:r>
-              <a:rPr lang="es-ES" sz="2400" dirty="0" err="1" smtClean="0">
-                <a:latin typeface="Arial" panose="020B0604020202020204" pitchFamily="34" charset="0"/>
-                <a:cs typeface="Arial" panose="020B0604020202020204" pitchFamily="34" charset="0"/>
-              </a:rPr>
-              <a:t>GitKraken</a:t>
-            </a:r>
-            <a:r>
-              <a:rPr lang="es-ES" sz="2400" dirty="0" smtClean="0">
-                <a:latin typeface="Arial" panose="020B0604020202020204" pitchFamily="34" charset="0"/>
-                <a:cs typeface="Arial" panose="020B0604020202020204" pitchFamily="34" charset="0"/>
-              </a:rPr>
-              <a:t>. Podemos comprobar el resultado final haciendo </a:t>
-            </a:r>
-            <a:r>
-              <a:rPr lang="es-ES" sz="2400" dirty="0" err="1" smtClean="0">
-                <a:latin typeface="Arial" panose="020B0604020202020204" pitchFamily="34" charset="0"/>
-                <a:cs typeface="Arial" panose="020B0604020202020204" pitchFamily="34" charset="0"/>
-              </a:rPr>
-              <a:t>click</a:t>
-            </a:r>
-            <a:r>
-              <a:rPr lang="es-ES" sz="2400" dirty="0" smtClean="0">
-                <a:latin typeface="Arial" panose="020B0604020202020204" pitchFamily="34" charset="0"/>
-                <a:cs typeface="Arial" panose="020B0604020202020204" pitchFamily="34" charset="0"/>
-              </a:rPr>
-              <a:t> en el botón “</a:t>
-            </a:r>
-            <a:r>
-              <a:rPr lang="es-ES" sz="2400" dirty="0" err="1" smtClean="0">
-                <a:latin typeface="Arial" panose="020B0604020202020204" pitchFamily="34" charset="0"/>
-                <a:cs typeface="Arial" panose="020B0604020202020204" pitchFamily="34" charset="0"/>
-              </a:rPr>
-              <a:t>Create</a:t>
-            </a:r>
-            <a:r>
-              <a:rPr lang="es-ES" sz="2400" dirty="0" smtClean="0">
-                <a:latin typeface="Arial" panose="020B0604020202020204" pitchFamily="34" charset="0"/>
-                <a:cs typeface="Arial" panose="020B0604020202020204" pitchFamily="34" charset="0"/>
-              </a:rPr>
-              <a:t> </a:t>
-            </a:r>
-            <a:r>
-              <a:rPr lang="es-ES" sz="2400" dirty="0" err="1" smtClean="0">
-                <a:latin typeface="Arial" panose="020B0604020202020204" pitchFamily="34" charset="0"/>
-                <a:cs typeface="Arial" panose="020B0604020202020204" pitchFamily="34" charset="0"/>
-              </a:rPr>
-              <a:t>remote</a:t>
-            </a:r>
-            <a:r>
-              <a:rPr lang="es-ES" sz="2400" dirty="0" smtClean="0">
-                <a:latin typeface="Arial" panose="020B0604020202020204" pitchFamily="34" charset="0"/>
-                <a:cs typeface="Arial" panose="020B0604020202020204" pitchFamily="34" charset="0"/>
-              </a:rPr>
-              <a:t> and </a:t>
-            </a:r>
-            <a:r>
-              <a:rPr lang="es-ES" sz="2400" dirty="0" err="1" smtClean="0">
-                <a:latin typeface="Arial" panose="020B0604020202020204" pitchFamily="34" charset="0"/>
-                <a:cs typeface="Arial" panose="020B0604020202020204" pitchFamily="34" charset="0"/>
-              </a:rPr>
               <a:t>Push</a:t>
             </a:r>
             <a:r>
@@ -8059,10 +7945,6 @@
               </a:rPr>
               <a:t>”</a:t>
             </a:r>
-            <a:endParaRPr lang="es-ES" sz="2400" dirty="0" smtClean="0">
-              <a:latin typeface="Arial" panose="020B0604020202020204" pitchFamily="34" charset="0"/>
-              <a:cs typeface="Arial" panose="020B0604020202020204" pitchFamily="34" charset="0"/>
-            </a:endParaRPr>
           </a:p>
         </p:txBody>
       </p:sp>
@@ -8159,7 +8041,7 @@
         </p:blipFill>
         <p:spPr>
           <a:xfrm>
-            <a:off x="4876800" y="2727921"/>
+            <a:off x="5243321" y="2362200"/>
             <a:ext cx="6720079" cy="3808045"/>
           </a:xfrm>
           <a:prstGeom prst="rect">
@@ -8188,7 +8070,7 @@
         </p:blipFill>
         <p:spPr>
           <a:xfrm>
-            <a:off x="5384101" y="5530112"/>
+            <a:off x="5750622" y="5603507"/>
             <a:ext cx="5705475" cy="1133475"/>
           </a:xfrm>
           <a:prstGeom prst="rect">
